--- a/Session07-batching_and_sampling_in_dgl.pptx
+++ b/Session07-batching_and_sampling_in_dgl.pptx
@@ -11,6 +11,7 @@
     <p:sldId id="259" r:id="rId5"/>
     <p:sldId id="260" r:id="rId6"/>
     <p:sldId id="261" r:id="rId7"/>
+    <p:sldId id="262" r:id="rId8"/>
   </p:sldIdLst>
   <p:sldSz cx="12192000" cy="6858000"/>
   <p:notesSz cx="6858000" cy="9144000"/>
@@ -264,7 +265,7 @@
           <a:p>
             <a:fld id="{9975CADB-DAF7-994D-8276-3861CF05D58A}" type="datetimeFigureOut">
               <a:rPr lang="en-US" smtClean="0"/>
-              <a:t>3/27/20</a:t>
+              <a:t>4/6/20</a:t>
             </a:fld>
             <a:endParaRPr lang="en-US"/>
           </a:p>
@@ -462,7 +463,7 @@
           <a:p>
             <a:fld id="{9975CADB-DAF7-994D-8276-3861CF05D58A}" type="datetimeFigureOut">
               <a:rPr lang="en-US" smtClean="0"/>
-              <a:t>3/27/20</a:t>
+              <a:t>4/6/20</a:t>
             </a:fld>
             <a:endParaRPr lang="en-US"/>
           </a:p>
@@ -670,7 +671,7 @@
           <a:p>
             <a:fld id="{9975CADB-DAF7-994D-8276-3861CF05D58A}" type="datetimeFigureOut">
               <a:rPr lang="en-US" smtClean="0"/>
-              <a:t>3/27/20</a:t>
+              <a:t>4/6/20</a:t>
             </a:fld>
             <a:endParaRPr lang="en-US"/>
           </a:p>
@@ -868,7 +869,7 @@
           <a:p>
             <a:fld id="{9975CADB-DAF7-994D-8276-3861CF05D58A}" type="datetimeFigureOut">
               <a:rPr lang="en-US" smtClean="0"/>
-              <a:t>3/27/20</a:t>
+              <a:t>4/6/20</a:t>
             </a:fld>
             <a:endParaRPr lang="en-US"/>
           </a:p>
@@ -1143,7 +1144,7 @@
           <a:p>
             <a:fld id="{9975CADB-DAF7-994D-8276-3861CF05D58A}" type="datetimeFigureOut">
               <a:rPr lang="en-US" smtClean="0"/>
-              <a:t>3/27/20</a:t>
+              <a:t>4/6/20</a:t>
             </a:fld>
             <a:endParaRPr lang="en-US"/>
           </a:p>
@@ -1408,7 +1409,7 @@
           <a:p>
             <a:fld id="{9975CADB-DAF7-994D-8276-3861CF05D58A}" type="datetimeFigureOut">
               <a:rPr lang="en-US" smtClean="0"/>
-              <a:t>3/27/20</a:t>
+              <a:t>4/6/20</a:t>
             </a:fld>
             <a:endParaRPr lang="en-US"/>
           </a:p>
@@ -1820,7 +1821,7 @@
           <a:p>
             <a:fld id="{9975CADB-DAF7-994D-8276-3861CF05D58A}" type="datetimeFigureOut">
               <a:rPr lang="en-US" smtClean="0"/>
-              <a:t>3/27/20</a:t>
+              <a:t>4/6/20</a:t>
             </a:fld>
             <a:endParaRPr lang="en-US"/>
           </a:p>
@@ -1961,7 +1962,7 @@
           <a:p>
             <a:fld id="{9975CADB-DAF7-994D-8276-3861CF05D58A}" type="datetimeFigureOut">
               <a:rPr lang="en-US" smtClean="0"/>
-              <a:t>3/27/20</a:t>
+              <a:t>4/6/20</a:t>
             </a:fld>
             <a:endParaRPr lang="en-US"/>
           </a:p>
@@ -2074,7 +2075,7 @@
           <a:p>
             <a:fld id="{9975CADB-DAF7-994D-8276-3861CF05D58A}" type="datetimeFigureOut">
               <a:rPr lang="en-US" smtClean="0"/>
-              <a:t>3/27/20</a:t>
+              <a:t>4/6/20</a:t>
             </a:fld>
             <a:endParaRPr lang="en-US"/>
           </a:p>
@@ -2385,7 +2386,7 @@
           <a:p>
             <a:fld id="{9975CADB-DAF7-994D-8276-3861CF05D58A}" type="datetimeFigureOut">
               <a:rPr lang="en-US" smtClean="0"/>
-              <a:t>3/27/20</a:t>
+              <a:t>4/6/20</a:t>
             </a:fld>
             <a:endParaRPr lang="en-US"/>
           </a:p>
@@ -2673,7 +2674,7 @@
           <a:p>
             <a:fld id="{9975CADB-DAF7-994D-8276-3861CF05D58A}" type="datetimeFigureOut">
               <a:rPr lang="en-US" smtClean="0"/>
-              <a:t>3/27/20</a:t>
+              <a:t>4/6/20</a:t>
             </a:fld>
             <a:endParaRPr lang="en-US"/>
           </a:p>
@@ -2914,7 +2915,7 @@
           <a:p>
             <a:fld id="{9975CADB-DAF7-994D-8276-3861CF05D58A}" type="datetimeFigureOut">
               <a:rPr lang="en-US" smtClean="0"/>
-              <a:t>3/27/20</a:t>
+              <a:t>4/6/20</a:t>
             </a:fld>
             <a:endParaRPr lang="en-US"/>
           </a:p>
@@ -7808,7 +7809,7 @@
         <p:spPr>
           <a:xfrm>
             <a:off x="890649" y="380010"/>
-            <a:ext cx="11020302" cy="1508105"/>
+            <a:ext cx="11020302" cy="2339102"/>
           </a:xfrm>
           <a:prstGeom prst="rect">
             <a:avLst/>
@@ -7852,15 +7853,159 @@
             </a:pPr>
             <a:r>
               <a:rPr lang="en-US" dirty="0"/>
-              <a:t>It also serves as a kind of regularization.   </a:t>
-            </a:r>
-          </a:p>
-        </p:txBody>
-      </p:sp>
+              <a:t>It also serves as a kind of regularization.</a:t>
+            </a:r>
+          </a:p>
+          <a:p>
+            <a:pPr marL="285750" indent="-285750">
+              <a:buFont typeface="Arial" panose="020B0604020202020204" pitchFamily="34" charset="0"/>
+              <a:buChar char="•"/>
+            </a:pPr>
+            <a:endParaRPr lang="en-US" dirty="0"/>
+          </a:p>
+          <a:p>
+            <a:pPr marL="285750" indent="-285750">
+              <a:buFont typeface="Arial" panose="020B0604020202020204" pitchFamily="34" charset="0"/>
+              <a:buChar char="•"/>
+            </a:pPr>
+            <a:endParaRPr lang="en-US" dirty="0"/>
+          </a:p>
+          <a:p>
+            <a:r>
+              <a:rPr lang="en-US" b="1" dirty="0"/>
+              <a:t>Overall flow of generating a block in DGL   </a:t>
+            </a:r>
+          </a:p>
+        </p:txBody>
+      </p:sp>
+      <p:pic>
+        <p:nvPicPr>
+          <p:cNvPr id="4" name="Picture 3">
+            <a:extLst>
+              <a:ext uri="{FF2B5EF4-FFF2-40B4-BE49-F238E27FC236}">
+                <a16:creationId xmlns:a16="http://schemas.microsoft.com/office/drawing/2014/main" id="{B9E5E939-7BBA-474D-858F-9A73DA48745C}"/>
+              </a:ext>
+            </a:extLst>
+          </p:cNvPr>
+          <p:cNvPicPr>
+            <a:picLocks noChangeAspect="1"/>
+          </p:cNvPicPr>
+          <p:nvPr/>
+        </p:nvPicPr>
+        <p:blipFill rotWithShape="1">
+          <a:blip r:embed="rId2"/>
+          <a:srcRect b="50354"/>
+          <a:stretch/>
+        </p:blipFill>
+        <p:spPr>
+          <a:xfrm>
+            <a:off x="712520" y="3169227"/>
+            <a:ext cx="7327900" cy="1248394"/>
+          </a:xfrm>
+          <a:prstGeom prst="rect">
+            <a:avLst/>
+          </a:prstGeom>
+        </p:spPr>
+      </p:pic>
     </p:spTree>
     <p:extLst>
       <p:ext uri="{BB962C8B-B14F-4D97-AF65-F5344CB8AC3E}">
         <p14:creationId xmlns:p14="http://schemas.microsoft.com/office/powerpoint/2010/main" val="2557739586"/>
+      </p:ext>
+    </p:extLst>
+  </p:cSld>
+  <p:clrMapOvr>
+    <a:masterClrMapping/>
+  </p:clrMapOvr>
+</p:sld>
+</file>
+
+<file path=ppt/slides/slide7.xml><?xml version="1.0" encoding="utf-8"?>
+<p:sld xmlns:a="http://schemas.openxmlformats.org/drawingml/2006/main" xmlns:r="http://schemas.openxmlformats.org/officeDocument/2006/relationships" xmlns:p="http://schemas.openxmlformats.org/presentationml/2006/main">
+  <p:cSld>
+    <p:spTree>
+      <p:nvGrpSpPr>
+        <p:cNvPr id="1" name=""/>
+        <p:cNvGrpSpPr/>
+        <p:nvPr/>
+      </p:nvGrpSpPr>
+      <p:grpSpPr>
+        <a:xfrm>
+          <a:off x="0" y="0"/>
+          <a:ext cx="0" cy="0"/>
+          <a:chOff x="0" y="0"/>
+          <a:chExt cx="0" cy="0"/>
+        </a:xfrm>
+      </p:grpSpPr>
+      <p:sp>
+        <p:nvSpPr>
+          <p:cNvPr id="2" name="TextBox 1">
+            <a:extLst>
+              <a:ext uri="{FF2B5EF4-FFF2-40B4-BE49-F238E27FC236}">
+                <a16:creationId xmlns:a16="http://schemas.microsoft.com/office/drawing/2014/main" id="{58BFA7F6-ED9D-554A-A282-FFAAC292E86B}"/>
+              </a:ext>
+            </a:extLst>
+          </p:cNvPr>
+          <p:cNvSpPr txBox="1"/>
+          <p:nvPr/>
+        </p:nvSpPr>
+        <p:spPr>
+          <a:xfrm>
+            <a:off x="890649" y="380010"/>
+            <a:ext cx="11020302" cy="369332"/>
+          </a:xfrm>
+          <a:prstGeom prst="rect">
+            <a:avLst/>
+          </a:prstGeom>
+          <a:noFill/>
+        </p:spPr>
+        <p:txBody>
+          <a:bodyPr wrap="square" rtlCol="0">
+            <a:spAutoFit/>
+          </a:bodyPr>
+          <a:lstStyle/>
+          <a:p>
+            <a:r>
+              <a:rPr lang="en-US" b="1" dirty="0"/>
+              <a:t>Overall flow of training based on blocks in DGL   </a:t>
+            </a:r>
+          </a:p>
+        </p:txBody>
+      </p:sp>
+      <p:pic>
+        <p:nvPicPr>
+          <p:cNvPr id="5" name="Picture 4">
+            <a:extLst>
+              <a:ext uri="{FF2B5EF4-FFF2-40B4-BE49-F238E27FC236}">
+                <a16:creationId xmlns:a16="http://schemas.microsoft.com/office/drawing/2014/main" id="{634EF8CB-03F5-BD40-86D1-18BE95D2A853}"/>
+              </a:ext>
+            </a:extLst>
+          </p:cNvPr>
+          <p:cNvPicPr>
+            <a:picLocks noChangeAspect="1"/>
+          </p:cNvPicPr>
+          <p:nvPr/>
+        </p:nvPicPr>
+        <p:blipFill>
+          <a:blip r:embed="rId2"/>
+          <a:stretch>
+            <a:fillRect/>
+          </a:stretch>
+        </p:blipFill>
+        <p:spPr>
+          <a:xfrm>
+            <a:off x="1046018" y="1034061"/>
+            <a:ext cx="7772400" cy="3721100"/>
+          </a:xfrm>
+          <a:prstGeom prst="rect">
+            <a:avLst/>
+          </a:prstGeom>
+        </p:spPr>
+      </p:pic>
+    </p:spTree>
+    <p:extLst>
+      <p:ext uri="{BB962C8B-B14F-4D97-AF65-F5344CB8AC3E}">
+        <p14:creationId xmlns:p14="http://schemas.microsoft.com/office/powerpoint/2010/main" val="1222839017"/>
       </p:ext>
     </p:extLst>
   </p:cSld>
